--- a/Презентация.pptx
+++ b/Презентация.pptx
@@ -5,18 +5,23 @@
     <p:sldMasterId id="2147483696" r:id="rId1"/>
   </p:sldMasterIdLst>
   <p:notesMasterIdLst>
-    <p:notesMasterId r:id="rId8"/>
+    <p:notesMasterId r:id="rId13"/>
   </p:notesMasterIdLst>
   <p:handoutMasterIdLst>
-    <p:handoutMasterId r:id="rId9"/>
+    <p:handoutMasterId r:id="rId14"/>
   </p:handoutMasterIdLst>
   <p:sldIdLst>
     <p:sldId id="256" r:id="rId2"/>
     <p:sldId id="257" r:id="rId3"/>
     <p:sldId id="259" r:id="rId4"/>
-    <p:sldId id="258" r:id="rId5"/>
-    <p:sldId id="260" r:id="rId6"/>
-    <p:sldId id="261" r:id="rId7"/>
+    <p:sldId id="264" r:id="rId5"/>
+    <p:sldId id="262" r:id="rId6"/>
+    <p:sldId id="263" r:id="rId7"/>
+    <p:sldId id="265" r:id="rId8"/>
+    <p:sldId id="266" r:id="rId9"/>
+    <p:sldId id="258" r:id="rId10"/>
+    <p:sldId id="260" r:id="rId11"/>
+    <p:sldId id="261" r:id="rId12"/>
   </p:sldIdLst>
   <p:sldSz cx="12192000" cy="6858000"/>
   <p:notesSz cx="6858000" cy="9144000"/>
@@ -115,6 +120,14 @@
       </a:defRPr>
     </a:lvl9pPr>
   </p:defaultTextStyle>
+  <p:extLst>
+    <p:ext uri="{EFAFB233-063F-42B5-8137-9DF3F51BA10A}">
+      <p15:sldGuideLst xmlns:p15="http://schemas.microsoft.com/office/powerpoint/2012/main"/>
+    </p:ext>
+    <p:ext uri="{2D200454-40CA-4A62-9FC3-DE9A4176ACB9}">
+      <p15:notesGuideLst xmlns:p15="http://schemas.microsoft.com/office/powerpoint/2012/main"/>
+    </p:ext>
+  </p:extLst>
 </p:presentation>
 </file>
 
@@ -1149,6 +1162,13 @@
         </dgm:presLayoutVars>
       </dgm:prSet>
       <dgm:spPr/>
+      <dgm:t>
+        <a:bodyPr/>
+        <a:lstStyle/>
+        <a:p>
+          <a:endParaRPr lang="ru-RU"/>
+        </a:p>
+      </dgm:t>
     </dgm:pt>
     <dgm:pt modelId="{C85ECB7D-F75C-3A42-83AF-4490C16A545B}" type="pres">
       <dgm:prSet presAssocID="{333CC902-CCAA-D344-95CA-BDBF88DB4815}" presName="root1" presStyleCnt="0"/>
@@ -1161,6 +1181,13 @@
         </dgm:presLayoutVars>
       </dgm:prSet>
       <dgm:spPr/>
+      <dgm:t>
+        <a:bodyPr/>
+        <a:lstStyle/>
+        <a:p>
+          <a:endParaRPr lang="ru-RU"/>
+        </a:p>
+      </dgm:t>
     </dgm:pt>
     <dgm:pt modelId="{E35F51E8-8914-244F-9155-EB4F53214E9B}" type="pres">
       <dgm:prSet presAssocID="{333CC902-CCAA-D344-95CA-BDBF88DB4815}" presName="level2hierChild" presStyleCnt="0"/>
@@ -1169,10 +1196,24 @@
     <dgm:pt modelId="{C793D3F8-EC2A-A548-8288-BD867DF76FE8}" type="pres">
       <dgm:prSet presAssocID="{0A215EC1-3325-B548-B66D-E5E7640C99A0}" presName="conn2-1" presStyleLbl="parChTrans1D2" presStyleIdx="0" presStyleCnt="2"/>
       <dgm:spPr/>
+      <dgm:t>
+        <a:bodyPr/>
+        <a:lstStyle/>
+        <a:p>
+          <a:endParaRPr lang="ru-RU"/>
+        </a:p>
+      </dgm:t>
     </dgm:pt>
     <dgm:pt modelId="{DCC50788-16C8-A447-A57E-8DFF1B33F3A1}" type="pres">
       <dgm:prSet presAssocID="{0A215EC1-3325-B548-B66D-E5E7640C99A0}" presName="connTx" presStyleLbl="parChTrans1D2" presStyleIdx="0" presStyleCnt="2"/>
       <dgm:spPr/>
+      <dgm:t>
+        <a:bodyPr/>
+        <a:lstStyle/>
+        <a:p>
+          <a:endParaRPr lang="ru-RU"/>
+        </a:p>
+      </dgm:t>
     </dgm:pt>
     <dgm:pt modelId="{4566CB35-721D-7A46-BCC4-8A9187521CCD}" type="pres">
       <dgm:prSet presAssocID="{029BC2BC-933C-6542-90DF-FD1106B9CA61}" presName="root2" presStyleCnt="0"/>
@@ -1185,6 +1226,13 @@
         </dgm:presLayoutVars>
       </dgm:prSet>
       <dgm:spPr/>
+      <dgm:t>
+        <a:bodyPr/>
+        <a:lstStyle/>
+        <a:p>
+          <a:endParaRPr lang="ru-RU"/>
+        </a:p>
+      </dgm:t>
     </dgm:pt>
     <dgm:pt modelId="{CE359426-5AE2-E444-BDA1-1A113EA4262D}" type="pres">
       <dgm:prSet presAssocID="{029BC2BC-933C-6542-90DF-FD1106B9CA61}" presName="level3hierChild" presStyleCnt="0"/>
@@ -1193,10 +1241,24 @@
     <dgm:pt modelId="{5984A69F-6805-7E41-B177-F2CF9D4D70BE}" type="pres">
       <dgm:prSet presAssocID="{B87A4FBD-E4D0-404C-90E0-583292D4220C}" presName="conn2-1" presStyleLbl="parChTrans1D3" presStyleIdx="0" presStyleCnt="4"/>
       <dgm:spPr/>
+      <dgm:t>
+        <a:bodyPr/>
+        <a:lstStyle/>
+        <a:p>
+          <a:endParaRPr lang="ru-RU"/>
+        </a:p>
+      </dgm:t>
     </dgm:pt>
     <dgm:pt modelId="{F17D8EAE-E08A-B14D-A6E1-3632CBEA07B6}" type="pres">
       <dgm:prSet presAssocID="{B87A4FBD-E4D0-404C-90E0-583292D4220C}" presName="connTx" presStyleLbl="parChTrans1D3" presStyleIdx="0" presStyleCnt="4"/>
       <dgm:spPr/>
+      <dgm:t>
+        <a:bodyPr/>
+        <a:lstStyle/>
+        <a:p>
+          <a:endParaRPr lang="ru-RU"/>
+        </a:p>
+      </dgm:t>
     </dgm:pt>
     <dgm:pt modelId="{A8D7696D-1F2F-0E47-8A36-4F0BD455E209}" type="pres">
       <dgm:prSet presAssocID="{341172CD-7AB4-434D-9479-AE72232F8BE4}" presName="root2" presStyleCnt="0"/>
@@ -1209,6 +1271,13 @@
         </dgm:presLayoutVars>
       </dgm:prSet>
       <dgm:spPr/>
+      <dgm:t>
+        <a:bodyPr/>
+        <a:lstStyle/>
+        <a:p>
+          <a:endParaRPr lang="ru-RU"/>
+        </a:p>
+      </dgm:t>
     </dgm:pt>
     <dgm:pt modelId="{B9D285D3-8AF1-9348-8856-4CAC4DB3B697}" type="pres">
       <dgm:prSet presAssocID="{341172CD-7AB4-434D-9479-AE72232F8BE4}" presName="level3hierChild" presStyleCnt="0"/>
@@ -1217,10 +1286,24 @@
     <dgm:pt modelId="{086D1CDC-FF6D-A943-A017-7F7B262A70E5}" type="pres">
       <dgm:prSet presAssocID="{74C6D0F5-4086-A34D-9442-54C25DEAA605}" presName="conn2-1" presStyleLbl="parChTrans1D3" presStyleIdx="1" presStyleCnt="4"/>
       <dgm:spPr/>
+      <dgm:t>
+        <a:bodyPr/>
+        <a:lstStyle/>
+        <a:p>
+          <a:endParaRPr lang="ru-RU"/>
+        </a:p>
+      </dgm:t>
     </dgm:pt>
     <dgm:pt modelId="{C2764233-26A5-9345-A601-DCDFD31FA264}" type="pres">
       <dgm:prSet presAssocID="{74C6D0F5-4086-A34D-9442-54C25DEAA605}" presName="connTx" presStyleLbl="parChTrans1D3" presStyleIdx="1" presStyleCnt="4"/>
       <dgm:spPr/>
+      <dgm:t>
+        <a:bodyPr/>
+        <a:lstStyle/>
+        <a:p>
+          <a:endParaRPr lang="ru-RU"/>
+        </a:p>
+      </dgm:t>
     </dgm:pt>
     <dgm:pt modelId="{606CF8C9-3E4F-2747-8038-7906A9B898C0}" type="pres">
       <dgm:prSet presAssocID="{71D8B8AE-761E-004E-B652-1BA360BB2EF2}" presName="root2" presStyleCnt="0"/>
@@ -1248,10 +1331,24 @@
     <dgm:pt modelId="{AB188D85-7AFA-0049-A824-5DACD1682390}" type="pres">
       <dgm:prSet presAssocID="{34573E25-97CD-0F45-B0E3-221DCAA59525}" presName="conn2-1" presStyleLbl="parChTrans1D3" presStyleIdx="2" presStyleCnt="4"/>
       <dgm:spPr/>
+      <dgm:t>
+        <a:bodyPr/>
+        <a:lstStyle/>
+        <a:p>
+          <a:endParaRPr lang="ru-RU"/>
+        </a:p>
+      </dgm:t>
     </dgm:pt>
     <dgm:pt modelId="{640C932A-0CA4-AD4B-82C5-29E05488010B}" type="pres">
       <dgm:prSet presAssocID="{34573E25-97CD-0F45-B0E3-221DCAA59525}" presName="connTx" presStyleLbl="parChTrans1D3" presStyleIdx="2" presStyleCnt="4"/>
       <dgm:spPr/>
+      <dgm:t>
+        <a:bodyPr/>
+        <a:lstStyle/>
+        <a:p>
+          <a:endParaRPr lang="ru-RU"/>
+        </a:p>
+      </dgm:t>
     </dgm:pt>
     <dgm:pt modelId="{57FDDC19-05E8-8F45-B788-7B7A71F45968}" type="pres">
       <dgm:prSet presAssocID="{3B87C131-3CE3-EE4D-8923-99B950080659}" presName="root2" presStyleCnt="0"/>
@@ -1279,10 +1376,24 @@
     <dgm:pt modelId="{DE520A7F-E915-DC47-BC48-B07FF7EF107F}" type="pres">
       <dgm:prSet presAssocID="{FC3F4922-54C7-A845-A9A6-4A039EE8445A}" presName="conn2-1" presStyleLbl="parChTrans1D2" presStyleIdx="1" presStyleCnt="2"/>
       <dgm:spPr/>
+      <dgm:t>
+        <a:bodyPr/>
+        <a:lstStyle/>
+        <a:p>
+          <a:endParaRPr lang="ru-RU"/>
+        </a:p>
+      </dgm:t>
     </dgm:pt>
     <dgm:pt modelId="{7CA52D68-79ED-4D4B-8998-C5BD66845BEE}" type="pres">
       <dgm:prSet presAssocID="{FC3F4922-54C7-A845-A9A6-4A039EE8445A}" presName="connTx" presStyleLbl="parChTrans1D2" presStyleIdx="1" presStyleCnt="2"/>
       <dgm:spPr/>
+      <dgm:t>
+        <a:bodyPr/>
+        <a:lstStyle/>
+        <a:p>
+          <a:endParaRPr lang="ru-RU"/>
+        </a:p>
+      </dgm:t>
     </dgm:pt>
     <dgm:pt modelId="{A7A88EA0-3A70-EC44-B833-0A5E3B84FC0F}" type="pres">
       <dgm:prSet presAssocID="{64EA26ED-7A5E-6742-BBC8-7DDB5A8A3EA0}" presName="root2" presStyleCnt="0"/>
@@ -1295,6 +1406,13 @@
         </dgm:presLayoutVars>
       </dgm:prSet>
       <dgm:spPr/>
+      <dgm:t>
+        <a:bodyPr/>
+        <a:lstStyle/>
+        <a:p>
+          <a:endParaRPr lang="ru-RU"/>
+        </a:p>
+      </dgm:t>
     </dgm:pt>
     <dgm:pt modelId="{AA48E2CC-1EBF-6D42-B87D-8DA8BB493BCE}" type="pres">
       <dgm:prSet presAssocID="{64EA26ED-7A5E-6742-BBC8-7DDB5A8A3EA0}" presName="level3hierChild" presStyleCnt="0"/>
@@ -1303,10 +1421,24 @@
     <dgm:pt modelId="{275E7206-E433-E548-94DD-21A1D72C3A06}" type="pres">
       <dgm:prSet presAssocID="{8B648AD6-0454-3445-9BC1-801D7C39902A}" presName="conn2-1" presStyleLbl="parChTrans1D3" presStyleIdx="3" presStyleCnt="4"/>
       <dgm:spPr/>
+      <dgm:t>
+        <a:bodyPr/>
+        <a:lstStyle/>
+        <a:p>
+          <a:endParaRPr lang="ru-RU"/>
+        </a:p>
+      </dgm:t>
     </dgm:pt>
     <dgm:pt modelId="{99514DAB-B179-F04A-BDC7-7293C438B1EF}" type="pres">
       <dgm:prSet presAssocID="{8B648AD6-0454-3445-9BC1-801D7C39902A}" presName="connTx" presStyleLbl="parChTrans1D3" presStyleIdx="3" presStyleCnt="4"/>
       <dgm:spPr/>
+      <dgm:t>
+        <a:bodyPr/>
+        <a:lstStyle/>
+        <a:p>
+          <a:endParaRPr lang="ru-RU"/>
+        </a:p>
+      </dgm:t>
     </dgm:pt>
     <dgm:pt modelId="{44DA60B0-B819-BC4D-B483-F30ADEB6A39A}" type="pres">
       <dgm:prSet presAssocID="{8BB7EF2C-DD50-6244-98DA-056B503158D6}" presName="root2" presStyleCnt="0"/>
@@ -1337,8 +1469,8 @@
     <dgm:cxn modelId="{02C25BDC-1882-B34E-ABE4-CEBFAADCED1D}" type="presOf" srcId="{029BC2BC-933C-6542-90DF-FD1106B9CA61}" destId="{F8A0E207-9BFA-DA46-88DA-00A01D606DC3}" srcOrd="0" destOrd="0" presId="urn:microsoft.com/office/officeart/2005/8/layout/hierarchy2"/>
     <dgm:cxn modelId="{7F43426E-5209-1E4F-9B3F-84A0C8B48029}" type="presOf" srcId="{34573E25-97CD-0F45-B0E3-221DCAA59525}" destId="{AB188D85-7AFA-0049-A824-5DACD1682390}" srcOrd="0" destOrd="0" presId="urn:microsoft.com/office/officeart/2005/8/layout/hierarchy2"/>
     <dgm:cxn modelId="{962B52DD-7E1B-F34D-99AA-C7415015A8DE}" type="presOf" srcId="{FC3F4922-54C7-A845-A9A6-4A039EE8445A}" destId="{7CA52D68-79ED-4D4B-8998-C5BD66845BEE}" srcOrd="1" destOrd="0" presId="urn:microsoft.com/office/officeart/2005/8/layout/hierarchy2"/>
+    <dgm:cxn modelId="{03961191-E14E-0345-AC58-CA777C1B5D55}" type="presOf" srcId="{64EA26ED-7A5E-6742-BBC8-7DDB5A8A3EA0}" destId="{29EC895F-F865-2D41-8DE2-C342948E0D85}" srcOrd="0" destOrd="0" presId="urn:microsoft.com/office/officeart/2005/8/layout/hierarchy2"/>
     <dgm:cxn modelId="{892EA86C-C053-C844-8DF4-C7DDF2ACABA8}" type="presOf" srcId="{74C6D0F5-4086-A34D-9442-54C25DEAA605}" destId="{C2764233-26A5-9345-A601-DCDFD31FA264}" srcOrd="1" destOrd="0" presId="urn:microsoft.com/office/officeart/2005/8/layout/hierarchy2"/>
-    <dgm:cxn modelId="{03961191-E14E-0345-AC58-CA777C1B5D55}" type="presOf" srcId="{64EA26ED-7A5E-6742-BBC8-7DDB5A8A3EA0}" destId="{29EC895F-F865-2D41-8DE2-C342948E0D85}" srcOrd="0" destOrd="0" presId="urn:microsoft.com/office/officeart/2005/8/layout/hierarchy2"/>
     <dgm:cxn modelId="{2D7C3B23-9144-E146-B71C-961E0A007869}" type="presOf" srcId="{A30A0425-7DB4-2641-AC28-448163954FD3}" destId="{351A6A6A-A99D-F449-B144-F23604CF71CE}" srcOrd="0" destOrd="0" presId="urn:microsoft.com/office/officeart/2005/8/layout/hierarchy2"/>
     <dgm:cxn modelId="{A914BF76-666E-8B48-A94B-7890906C67D8}" srcId="{64EA26ED-7A5E-6742-BBC8-7DDB5A8A3EA0}" destId="{8BB7EF2C-DD50-6244-98DA-056B503158D6}" srcOrd="0" destOrd="0" parTransId="{8B648AD6-0454-3445-9BC1-801D7C39902A}" sibTransId="{A257A111-D65F-CE4D-927B-79696D4AC13B}"/>
     <dgm:cxn modelId="{58C021E8-994B-2545-990F-E7BBAB4869D0}" type="presOf" srcId="{0A215EC1-3325-B548-B66D-E5E7640C99A0}" destId="{DCC50788-16C8-A447-A57E-8DFF1B33F3A1}" srcOrd="1" destOrd="0" presId="urn:microsoft.com/office/officeart/2005/8/layout/hierarchy2"/>
@@ -1348,14 +1480,14 @@
     <dgm:cxn modelId="{ECED8A04-8C2F-1F44-AFAA-0D5EA5BD0FAE}" type="presOf" srcId="{B87A4FBD-E4D0-404C-90E0-583292D4220C}" destId="{5984A69F-6805-7E41-B177-F2CF9D4D70BE}" srcOrd="0" destOrd="0" presId="urn:microsoft.com/office/officeart/2005/8/layout/hierarchy2"/>
     <dgm:cxn modelId="{4FB73627-DD2D-FA46-B7C5-32E5F505F703}" type="presOf" srcId="{FC3F4922-54C7-A845-A9A6-4A039EE8445A}" destId="{DE520A7F-E915-DC47-BC48-B07FF7EF107F}" srcOrd="0" destOrd="0" presId="urn:microsoft.com/office/officeart/2005/8/layout/hierarchy2"/>
     <dgm:cxn modelId="{A52A13F6-1773-4F41-B490-F48DC0F01643}" srcId="{A30A0425-7DB4-2641-AC28-448163954FD3}" destId="{333CC902-CCAA-D344-95CA-BDBF88DB4815}" srcOrd="0" destOrd="0" parTransId="{B1B80B75-EC9D-A94A-9829-BA2F79ADE3CD}" sibTransId="{2EF7261D-AF84-B546-B6B4-790A62F64110}"/>
+    <dgm:cxn modelId="{B822AD4B-296E-A94F-97F3-19209439D437}" type="presOf" srcId="{8B648AD6-0454-3445-9BC1-801D7C39902A}" destId="{99514DAB-B179-F04A-BDC7-7293C438B1EF}" srcOrd="1" destOrd="0" presId="urn:microsoft.com/office/officeart/2005/8/layout/hierarchy2"/>
     <dgm:cxn modelId="{EF4F0A43-488C-EA45-8289-8013FA5F9CAA}" type="presOf" srcId="{8BB7EF2C-DD50-6244-98DA-056B503158D6}" destId="{79ACBDB2-2ADA-994C-895D-506F7EBCDE9E}" srcOrd="0" destOrd="0" presId="urn:microsoft.com/office/officeart/2005/8/layout/hierarchy2"/>
-    <dgm:cxn modelId="{B822AD4B-296E-A94F-97F3-19209439D437}" type="presOf" srcId="{8B648AD6-0454-3445-9BC1-801D7C39902A}" destId="{99514DAB-B179-F04A-BDC7-7293C438B1EF}" srcOrd="1" destOrd="0" presId="urn:microsoft.com/office/officeart/2005/8/layout/hierarchy2"/>
     <dgm:cxn modelId="{DD4A162C-381F-B94E-B7CA-850CD6CAFDD6}" type="presOf" srcId="{71D8B8AE-761E-004E-B652-1BA360BB2EF2}" destId="{1299D8F9-5337-0940-815A-AACF6B1A5527}" srcOrd="0" destOrd="0" presId="urn:microsoft.com/office/officeart/2005/8/layout/hierarchy2"/>
     <dgm:cxn modelId="{E99BB47A-DD6D-DB45-ADD5-00C274402772}" type="presOf" srcId="{8B648AD6-0454-3445-9BC1-801D7C39902A}" destId="{275E7206-E433-E548-94DD-21A1D72C3A06}" srcOrd="0" destOrd="0" presId="urn:microsoft.com/office/officeart/2005/8/layout/hierarchy2"/>
     <dgm:cxn modelId="{11A66D7B-2C08-4A40-9495-E67B73146E0F}" type="presOf" srcId="{333CC902-CCAA-D344-95CA-BDBF88DB4815}" destId="{E8569B87-F909-8B43-87F1-49A6A5CB0D87}" srcOrd="0" destOrd="0" presId="urn:microsoft.com/office/officeart/2005/8/layout/hierarchy2"/>
     <dgm:cxn modelId="{28EE5492-62BC-274F-8EAA-F11FC97ED275}" type="presOf" srcId="{74C6D0F5-4086-A34D-9442-54C25DEAA605}" destId="{086D1CDC-FF6D-A943-A017-7F7B262A70E5}" srcOrd="0" destOrd="0" presId="urn:microsoft.com/office/officeart/2005/8/layout/hierarchy2"/>
+    <dgm:cxn modelId="{CEBAC8B0-1E08-E547-8748-859F54C6AE8A}" srcId="{029BC2BC-933C-6542-90DF-FD1106B9CA61}" destId="{71D8B8AE-761E-004E-B652-1BA360BB2EF2}" srcOrd="1" destOrd="0" parTransId="{74C6D0F5-4086-A34D-9442-54C25DEAA605}" sibTransId="{2FE77A95-A376-2A42-99CE-F64E647F5338}"/>
     <dgm:cxn modelId="{3C8B39A6-BABD-8A4D-B5CA-05C17809A1C9}" srcId="{333CC902-CCAA-D344-95CA-BDBF88DB4815}" destId="{029BC2BC-933C-6542-90DF-FD1106B9CA61}" srcOrd="0" destOrd="0" parTransId="{0A215EC1-3325-B548-B66D-E5E7640C99A0}" sibTransId="{0531510C-BB50-CF4A-BC89-C6CED9CA7825}"/>
-    <dgm:cxn modelId="{CEBAC8B0-1E08-E547-8748-859F54C6AE8A}" srcId="{029BC2BC-933C-6542-90DF-FD1106B9CA61}" destId="{71D8B8AE-761E-004E-B652-1BA360BB2EF2}" srcOrd="1" destOrd="0" parTransId="{74C6D0F5-4086-A34D-9442-54C25DEAA605}" sibTransId="{2FE77A95-A376-2A42-99CE-F64E647F5338}"/>
     <dgm:cxn modelId="{DADFF040-FD7D-8E45-AE10-29DAFE6C7FD1}" srcId="{029BC2BC-933C-6542-90DF-FD1106B9CA61}" destId="{3B87C131-3CE3-EE4D-8923-99B950080659}" srcOrd="2" destOrd="0" parTransId="{34573E25-97CD-0F45-B0E3-221DCAA59525}" sibTransId="{B7D0E7E1-03F7-F249-B148-14DA704340D8}"/>
     <dgm:cxn modelId="{CE8A6D7A-D0C2-C244-9027-3055BD914704}" type="presOf" srcId="{0A215EC1-3325-B548-B66D-E5E7640C99A0}" destId="{C793D3F8-EC2A-A548-8288-BD867DF76FE8}" srcOrd="0" destOrd="0" presId="urn:microsoft.com/office/officeart/2005/8/layout/hierarchy2"/>
     <dgm:cxn modelId="{3FEA35F7-85D2-A846-9BE0-05F3F112C963}" srcId="{333CC902-CCAA-D344-95CA-BDBF88DB4815}" destId="{64EA26ED-7A5E-6742-BBC8-7DDB5A8A3EA0}" srcOrd="1" destOrd="0" parTransId="{FC3F4922-54C7-A845-A9A6-4A039EE8445A}" sibTransId="{66673F41-DE02-004C-9933-22183B55F8DE}"/>
@@ -7655,6 +7787,226 @@
 </p:sld>
 </file>
 
+<file path=ppt/slides/slide10.xml><?xml version="1.0" encoding="utf-8"?>
+<p:sld xmlns:a="http://schemas.openxmlformats.org/drawingml/2006/main" xmlns:r="http://schemas.openxmlformats.org/officeDocument/2006/relationships" xmlns:p="http://schemas.openxmlformats.org/presentationml/2006/main">
+  <p:cSld>
+    <p:spTree>
+      <p:nvGrpSpPr>
+        <p:cNvPr id="1" name=""/>
+        <p:cNvGrpSpPr/>
+        <p:nvPr/>
+      </p:nvGrpSpPr>
+      <p:grpSpPr>
+        <a:xfrm>
+          <a:off x="0" y="0"/>
+          <a:ext cx="0" cy="0"/>
+          <a:chOff x="0" y="0"/>
+          <a:chExt cx="0" cy="0"/>
+        </a:xfrm>
+      </p:grpSpPr>
+      <p:sp>
+        <p:nvSpPr>
+          <p:cNvPr id="2" name="Заголовок 1"/>
+          <p:cNvSpPr>
+            <a:spLocks noGrp="1"/>
+          </p:cNvSpPr>
+          <p:nvPr>
+            <p:ph type="title"/>
+          </p:nvPr>
+        </p:nvSpPr>
+        <p:spPr>
+          <a:xfrm>
+            <a:off x="2231136" y="562910"/>
+            <a:ext cx="7729728" cy="864108"/>
+          </a:xfrm>
+        </p:spPr>
+        <p:txBody>
+          <a:bodyPr>
+            <a:normAutofit fontScale="90000"/>
+          </a:bodyPr>
+          <a:lstStyle/>
+          <a:p>
+            <a:r>
+              <a:rPr lang="ru-RU" dirty="0" smtClean="0"/>
+              <a:t>Возможности дальнейшего развития</a:t>
+            </a:r>
+            <a:endParaRPr lang="ru-RU" dirty="0"/>
+          </a:p>
+        </p:txBody>
+      </p:sp>
+      <p:sp>
+        <p:nvSpPr>
+          <p:cNvPr id="6" name="TextBox 5"/>
+          <p:cNvSpPr txBox="1"/>
+          <p:nvPr/>
+        </p:nvSpPr>
+        <p:spPr>
+          <a:xfrm>
+            <a:off x="1243446" y="2464393"/>
+            <a:ext cx="9705108" cy="2677656"/>
+          </a:xfrm>
+          <a:prstGeom prst="rect">
+            <a:avLst/>
+          </a:prstGeom>
+          <a:noFill/>
+        </p:spPr>
+        <p:txBody>
+          <a:bodyPr wrap="square" rtlCol="0">
+            <a:spAutoFit/>
+          </a:bodyPr>
+          <a:lstStyle/>
+          <a:p>
+            <a:pPr marL="457200" indent="-457200">
+              <a:buFont typeface="Arial" charset="0"/>
+              <a:buChar char="•"/>
+            </a:pPr>
+            <a:r>
+              <a:rPr lang="ru-RU" sz="2800" dirty="0" smtClean="0"/>
+              <a:t>Добавление картинок</a:t>
+            </a:r>
+          </a:p>
+          <a:p>
+            <a:pPr marL="457200" indent="-457200">
+              <a:buFont typeface="Arial" charset="0"/>
+              <a:buChar char="•"/>
+            </a:pPr>
+            <a:r>
+              <a:rPr lang="ru-RU" sz="2800" dirty="0" smtClean="0"/>
+              <a:t>Произношение слов </a:t>
+            </a:r>
+          </a:p>
+          <a:p>
+            <a:pPr marL="457200" indent="-457200">
+              <a:buFont typeface="Arial" charset="0"/>
+              <a:buChar char="•"/>
+            </a:pPr>
+            <a:r>
+              <a:rPr lang="ru-RU" sz="2800" dirty="0" smtClean="0"/>
+              <a:t>Новые режимы тренировок</a:t>
+            </a:r>
+          </a:p>
+          <a:p>
+            <a:pPr marL="457200" indent="-457200">
+              <a:buFont typeface="Arial" charset="0"/>
+              <a:buChar char="•"/>
+            </a:pPr>
+            <a:r>
+              <a:rPr lang="ru-RU" sz="2800" dirty="0" smtClean="0"/>
+              <a:t>Возможность делиться модулями</a:t>
+            </a:r>
+          </a:p>
+          <a:p>
+            <a:pPr marL="457200" indent="-457200">
+              <a:buFont typeface="Arial" charset="0"/>
+              <a:buChar char="•"/>
+            </a:pPr>
+            <a:r>
+              <a:rPr lang="ru-RU" sz="2800" dirty="0" smtClean="0"/>
+              <a:t>Поиск по чужим модулям</a:t>
+            </a:r>
+          </a:p>
+          <a:p>
+            <a:pPr marL="457200" indent="-457200">
+              <a:buFont typeface="Arial" charset="0"/>
+              <a:buChar char="•"/>
+            </a:pPr>
+            <a:r>
+              <a:rPr lang="ru-RU" sz="2800" dirty="0" smtClean="0"/>
+              <a:t>График тренировок и напоминания</a:t>
+            </a:r>
+            <a:endParaRPr lang="ru-RU" sz="2800" dirty="0"/>
+          </a:p>
+        </p:txBody>
+      </p:sp>
+    </p:spTree>
+    <p:extLst>
+      <p:ext uri="{BB962C8B-B14F-4D97-AF65-F5344CB8AC3E}">
+        <p14:creationId xmlns:p14="http://schemas.microsoft.com/office/powerpoint/2010/main" val="678540688"/>
+      </p:ext>
+    </p:extLst>
+  </p:cSld>
+  <p:clrMapOvr>
+    <a:masterClrMapping/>
+  </p:clrMapOvr>
+  <p:timing>
+    <p:tnLst>
+      <p:par>
+        <p:cTn id="1" dur="indefinite" restart="never" nodeType="tmRoot"/>
+      </p:par>
+    </p:tnLst>
+  </p:timing>
+</p:sld>
+</file>
+
+<file path=ppt/slides/slide11.xml><?xml version="1.0" encoding="utf-8"?>
+<p:sld xmlns:a="http://schemas.openxmlformats.org/drawingml/2006/main" xmlns:r="http://schemas.openxmlformats.org/officeDocument/2006/relationships" xmlns:p="http://schemas.openxmlformats.org/presentationml/2006/main">
+  <p:cSld>
+    <p:spTree>
+      <p:nvGrpSpPr>
+        <p:cNvPr id="1" name=""/>
+        <p:cNvGrpSpPr/>
+        <p:nvPr/>
+      </p:nvGrpSpPr>
+      <p:grpSpPr>
+        <a:xfrm>
+          <a:off x="0" y="0"/>
+          <a:ext cx="0" cy="0"/>
+          <a:chOff x="0" y="0"/>
+          <a:chExt cx="0" cy="0"/>
+        </a:xfrm>
+      </p:grpSpPr>
+      <p:sp>
+        <p:nvSpPr>
+          <p:cNvPr id="2" name="Заголовок 1"/>
+          <p:cNvSpPr>
+            <a:spLocks noGrp="1"/>
+          </p:cNvSpPr>
+          <p:nvPr>
+            <p:ph type="title"/>
+          </p:nvPr>
+        </p:nvSpPr>
+        <p:spPr>
+          <a:xfrm>
+            <a:off x="2231136" y="2638044"/>
+            <a:ext cx="7729728" cy="1188720"/>
+          </a:xfrm>
+        </p:spPr>
+        <p:txBody>
+          <a:bodyPr/>
+          <a:lstStyle/>
+          <a:p>
+            <a:r>
+              <a:rPr lang="ru-RU" dirty="0" smtClean="0"/>
+              <a:t>Спасибо за </a:t>
+            </a:r>
+            <a:r>
+              <a:rPr lang="ru-RU" smtClean="0"/>
+              <a:t>внимание!</a:t>
+            </a:r>
+            <a:endParaRPr lang="ru-RU" dirty="0"/>
+          </a:p>
+        </p:txBody>
+      </p:sp>
+    </p:spTree>
+    <p:extLst>
+      <p:ext uri="{BB962C8B-B14F-4D97-AF65-F5344CB8AC3E}">
+        <p14:creationId xmlns:p14="http://schemas.microsoft.com/office/powerpoint/2010/main" val="1748109766"/>
+      </p:ext>
+    </p:extLst>
+  </p:cSld>
+  <p:clrMapOvr>
+    <a:masterClrMapping/>
+  </p:clrMapOvr>
+  <p:timing>
+    <p:tnLst>
+      <p:par>
+        <p:cTn id="1" dur="indefinite" restart="never" nodeType="tmRoot"/>
+      </p:par>
+    </p:tnLst>
+  </p:timing>
+</p:sld>
+</file>
+
 <file path=ppt/slides/slide2.xml><?xml version="1.0" encoding="utf-8"?>
 <p:sld xmlns:a="http://schemas.openxmlformats.org/drawingml/2006/main" xmlns:r="http://schemas.openxmlformats.org/officeDocument/2006/relationships" xmlns:p="http://schemas.openxmlformats.org/presentationml/2006/main">
   <p:cSld>
@@ -7923,154 +8275,380 @@
           <a:chExt cx="0" cy="0"/>
         </a:xfrm>
       </p:grpSpPr>
-      <p:sp>
-        <p:nvSpPr>
-          <p:cNvPr id="2" name="Заголовок 1"/>
-          <p:cNvSpPr>
-            <a:spLocks noGrp="1"/>
-          </p:cNvSpPr>
-          <p:nvPr>
-            <p:ph type="title"/>
-          </p:nvPr>
-        </p:nvSpPr>
+      <p:pic>
+        <p:nvPicPr>
+          <p:cNvPr id="2" name="Изображение 1"/>
+          <p:cNvPicPr>
+            <a:picLocks noChangeAspect="1"/>
+          </p:cNvPicPr>
+          <p:nvPr/>
+        </p:nvPicPr>
+        <p:blipFill>
+          <a:blip r:embed="rId2">
+            <a:extLst>
+              <a:ext uri="{28A0092B-C50C-407E-A947-70E740481C1C}">
+                <a14:useLocalDpi xmlns:a14="http://schemas.microsoft.com/office/drawing/2010/main" val="0"/>
+              </a:ext>
+            </a:extLst>
+          </a:blip>
+          <a:stretch>
+            <a:fillRect/>
+          </a:stretch>
+        </p:blipFill>
         <p:spPr>
           <a:xfrm>
-            <a:off x="2231136" y="562910"/>
-            <a:ext cx="7729728" cy="864108"/>
+            <a:off x="2858654" y="756228"/>
+            <a:ext cx="6794500" cy="4292600"/>
           </a:xfrm>
+          <a:prstGeom prst="rect">
+            <a:avLst/>
+          </a:prstGeom>
         </p:spPr>
-        <p:txBody>
-          <a:bodyPr/>
-          <a:lstStyle/>
-          <a:p>
-            <a:r>
-              <a:rPr lang="ru-RU" dirty="0" smtClean="0"/>
-              <a:t>Реализация</a:t>
-            </a:r>
-            <a:endParaRPr lang="ru-RU" dirty="0"/>
-          </a:p>
-        </p:txBody>
-      </p:sp>
-      <p:sp>
-        <p:nvSpPr>
-          <p:cNvPr id="3" name="Объект 2"/>
-          <p:cNvSpPr>
-            <a:spLocks noGrp="1"/>
-          </p:cNvSpPr>
-          <p:nvPr>
-            <p:ph idx="1"/>
-          </p:nvPr>
-        </p:nvSpPr>
-        <p:spPr>
-          <a:xfrm>
-            <a:off x="1101436" y="2022765"/>
-            <a:ext cx="9989128" cy="3283526"/>
-          </a:xfrm>
-        </p:spPr>
-        <p:txBody>
-          <a:bodyPr>
-            <a:normAutofit fontScale="92500" lnSpcReduction="10000"/>
-          </a:bodyPr>
-          <a:lstStyle/>
-          <a:p>
-            <a:pPr marL="0" indent="0">
-              <a:buNone/>
-            </a:pPr>
-            <a:r>
-              <a:rPr lang="ru-RU" sz="2800" dirty="0" smtClean="0"/>
-              <a:t>Удобства </a:t>
-            </a:r>
-            <a:r>
-              <a:rPr lang="en-US" sz="2800" dirty="0" smtClean="0"/>
-              <a:t>Telegram-bot API</a:t>
-            </a:r>
-            <a:r>
-              <a:rPr lang="ru-RU" sz="2800" dirty="0" smtClean="0"/>
-              <a:t> </a:t>
-            </a:r>
-            <a:r>
-              <a:rPr lang="en-US" sz="2800" dirty="0" smtClean="0"/>
-              <a:t> </a:t>
-            </a:r>
-            <a:r>
-              <a:rPr lang="ru-RU" sz="2800" dirty="0" smtClean="0"/>
-              <a:t>позволили создать систему функций, которую не сложно дополнять и расширять</a:t>
-            </a:r>
-            <a:r>
-              <a:rPr lang="en-US" sz="2800" dirty="0" smtClean="0"/>
-              <a:t>.</a:t>
-            </a:r>
-            <a:endParaRPr lang="ru-RU" sz="2800" dirty="0"/>
-          </a:p>
-          <a:p>
-            <a:pPr marL="0" indent="0">
-              <a:buNone/>
-            </a:pPr>
-            <a:r>
-              <a:rPr lang="ru-RU" sz="2800" dirty="0" smtClean="0"/>
-              <a:t>Благодаря системе кнопок, пользователь может перемещаться между разделами, не пользуясь командами. </a:t>
-            </a:r>
-          </a:p>
-          <a:p>
-            <a:pPr marL="0" indent="0">
-              <a:buNone/>
-            </a:pPr>
-            <a:r>
-              <a:rPr lang="ru-RU" sz="2800" dirty="0" smtClean="0"/>
-              <a:t>Все сохраненные пользователем модули хранятся в базе данных, написанной с помощью </a:t>
-            </a:r>
-            <a:r>
-              <a:rPr lang="en-US" sz="2800" dirty="0" err="1" smtClean="0"/>
-              <a:t>SQLAlchemy</a:t>
-            </a:r>
-            <a:r>
-              <a:rPr lang="en-US" sz="2800" dirty="0" smtClean="0"/>
-              <a:t>.</a:t>
-            </a:r>
-            <a:r>
-              <a:rPr lang="ru-RU" sz="2800" dirty="0" smtClean="0"/>
-              <a:t> Каждый модуль имеет свой индивидуальный </a:t>
-            </a:r>
-            <a:r>
-              <a:rPr lang="en-US" sz="2800" dirty="0" smtClean="0"/>
-              <a:t>id</a:t>
-            </a:r>
-            <a:r>
-              <a:rPr lang="ru-RU" sz="2800" dirty="0" smtClean="0"/>
-              <a:t> а так же привязан к  </a:t>
-            </a:r>
-            <a:r>
-              <a:rPr lang="en-US" sz="2800" dirty="0" smtClean="0"/>
-              <a:t>id </a:t>
-            </a:r>
-            <a:r>
-              <a:rPr lang="ru-RU" sz="2800" dirty="0" smtClean="0"/>
-              <a:t>пользователя, который его создал.</a:t>
-            </a:r>
-          </a:p>
-        </p:txBody>
-      </p:sp>
+      </p:pic>
     </p:spTree>
     <p:extLst>
       <p:ext uri="{BB962C8B-B14F-4D97-AF65-F5344CB8AC3E}">
-        <p14:creationId xmlns:p14="http://schemas.microsoft.com/office/powerpoint/2010/main" val="1247766570"/>
+        <p14:creationId xmlns:p14="http://schemas.microsoft.com/office/powerpoint/2010/main" val="503014673"/>
       </p:ext>
     </p:extLst>
   </p:cSld>
   <p:clrMapOvr>
     <a:masterClrMapping/>
   </p:clrMapOvr>
-  <p:timing>
-    <p:tnLst>
-      <p:par>
-        <p:cTn id="1" dur="indefinite" restart="never" nodeType="tmRoot"/>
-      </p:par>
-    </p:tnLst>
-  </p:timing>
 </p:sld>
 </file>
 
 <file path=ppt/slides/slide5.xml><?xml version="1.0" encoding="utf-8"?>
+<p:sld xmlns:a="http://schemas.openxmlformats.org/drawingml/2006/main" xmlns:r="http://schemas.openxmlformats.org/officeDocument/2006/relationships" xmlns:p="http://schemas.openxmlformats.org/presentationml/2006/main">
+  <p:cSld>
+    <p:spTree>
+      <p:nvGrpSpPr>
+        <p:cNvPr id="1" name=""/>
+        <p:cNvGrpSpPr/>
+        <p:nvPr/>
+      </p:nvGrpSpPr>
+      <p:grpSpPr>
+        <a:xfrm>
+          <a:off x="0" y="0"/>
+          <a:ext cx="0" cy="0"/>
+          <a:chOff x="0" y="0"/>
+          <a:chExt cx="0" cy="0"/>
+        </a:xfrm>
+      </p:grpSpPr>
+      <p:pic>
+        <p:nvPicPr>
+          <p:cNvPr id="6" name="Изображение 5"/>
+          <p:cNvPicPr>
+            <a:picLocks noChangeAspect="1"/>
+          </p:cNvPicPr>
+          <p:nvPr/>
+        </p:nvPicPr>
+        <p:blipFill>
+          <a:blip r:embed="rId2">
+            <a:extLst>
+              <a:ext uri="{28A0092B-C50C-407E-A947-70E740481C1C}">
+                <a14:useLocalDpi xmlns:a14="http://schemas.microsoft.com/office/drawing/2010/main" val="0"/>
+              </a:ext>
+            </a:extLst>
+          </a:blip>
+          <a:stretch>
+            <a:fillRect/>
+          </a:stretch>
+        </p:blipFill>
+        <p:spPr>
+          <a:xfrm>
+            <a:off x="286376" y="159125"/>
+            <a:ext cx="7084242" cy="4671493"/>
+          </a:xfrm>
+          <a:prstGeom prst="rect">
+            <a:avLst/>
+          </a:prstGeom>
+        </p:spPr>
+      </p:pic>
+      <p:pic>
+        <p:nvPicPr>
+          <p:cNvPr id="7" name="Изображение 6"/>
+          <p:cNvPicPr>
+            <a:picLocks noChangeAspect="1"/>
+          </p:cNvPicPr>
+          <p:nvPr/>
+        </p:nvPicPr>
+        <p:blipFill>
+          <a:blip r:embed="rId3">
+            <a:extLst>
+              <a:ext uri="{28A0092B-C50C-407E-A947-70E740481C1C}">
+                <a14:useLocalDpi xmlns:a14="http://schemas.microsoft.com/office/drawing/2010/main" val="0"/>
+              </a:ext>
+            </a:extLst>
+          </a:blip>
+          <a:stretch>
+            <a:fillRect/>
+          </a:stretch>
+        </p:blipFill>
+        <p:spPr>
+          <a:xfrm>
+            <a:off x="3414258" y="4610375"/>
+            <a:ext cx="8605448" cy="2247625"/>
+          </a:xfrm>
+          <a:prstGeom prst="rect">
+            <a:avLst/>
+          </a:prstGeom>
+        </p:spPr>
+      </p:pic>
+    </p:spTree>
+    <p:extLst>
+      <p:ext uri="{BB962C8B-B14F-4D97-AF65-F5344CB8AC3E}">
+        <p14:creationId xmlns:p14="http://schemas.microsoft.com/office/powerpoint/2010/main" val="108558672"/>
+      </p:ext>
+    </p:extLst>
+  </p:cSld>
+  <p:clrMapOvr>
+    <a:masterClrMapping/>
+  </p:clrMapOvr>
+</p:sld>
+</file>
+
+<file path=ppt/slides/slide6.xml><?xml version="1.0" encoding="utf-8"?>
+<p:sld xmlns:a="http://schemas.openxmlformats.org/drawingml/2006/main" xmlns:r="http://schemas.openxmlformats.org/officeDocument/2006/relationships" xmlns:p="http://schemas.openxmlformats.org/presentationml/2006/main">
+  <p:cSld>
+    <p:spTree>
+      <p:nvGrpSpPr>
+        <p:cNvPr id="1" name=""/>
+        <p:cNvGrpSpPr/>
+        <p:nvPr/>
+      </p:nvGrpSpPr>
+      <p:grpSpPr>
+        <a:xfrm>
+          <a:off x="0" y="0"/>
+          <a:ext cx="0" cy="0"/>
+          <a:chOff x="0" y="0"/>
+          <a:chExt cx="0" cy="0"/>
+        </a:xfrm>
+      </p:grpSpPr>
+      <p:pic>
+        <p:nvPicPr>
+          <p:cNvPr id="2" name="Изображение 1"/>
+          <p:cNvPicPr>
+            <a:picLocks noChangeAspect="1"/>
+          </p:cNvPicPr>
+          <p:nvPr/>
+        </p:nvPicPr>
+        <p:blipFill>
+          <a:blip r:embed="rId2">
+            <a:extLst>
+              <a:ext uri="{28A0092B-C50C-407E-A947-70E740481C1C}">
+                <a14:useLocalDpi xmlns:a14="http://schemas.microsoft.com/office/drawing/2010/main" val="0"/>
+              </a:ext>
+            </a:extLst>
+          </a:blip>
+          <a:stretch>
+            <a:fillRect/>
+          </a:stretch>
+        </p:blipFill>
+        <p:spPr>
+          <a:xfrm>
+            <a:off x="495300" y="323273"/>
+            <a:ext cx="5581302" cy="3389745"/>
+          </a:xfrm>
+          <a:prstGeom prst="rect">
+            <a:avLst/>
+          </a:prstGeom>
+        </p:spPr>
+      </p:pic>
+      <p:pic>
+        <p:nvPicPr>
+          <p:cNvPr id="3" name="Изображение 2"/>
+          <p:cNvPicPr>
+            <a:picLocks noChangeAspect="1"/>
+          </p:cNvPicPr>
+          <p:nvPr/>
+        </p:nvPicPr>
+        <p:blipFill>
+          <a:blip r:embed="rId3">
+            <a:extLst>
+              <a:ext uri="{28A0092B-C50C-407E-A947-70E740481C1C}">
+                <a14:useLocalDpi xmlns:a14="http://schemas.microsoft.com/office/drawing/2010/main" val="0"/>
+              </a:ext>
+            </a:extLst>
+          </a:blip>
+          <a:stretch>
+            <a:fillRect/>
+          </a:stretch>
+        </p:blipFill>
+        <p:spPr>
+          <a:xfrm>
+            <a:off x="5624946" y="2018145"/>
+            <a:ext cx="6359236" cy="4424329"/>
+          </a:xfrm>
+          <a:prstGeom prst="rect">
+            <a:avLst/>
+          </a:prstGeom>
+        </p:spPr>
+      </p:pic>
+    </p:spTree>
+    <p:extLst>
+      <p:ext uri="{BB962C8B-B14F-4D97-AF65-F5344CB8AC3E}">
+        <p14:creationId xmlns:p14="http://schemas.microsoft.com/office/powerpoint/2010/main" val="1285568479"/>
+      </p:ext>
+    </p:extLst>
+  </p:cSld>
+  <p:clrMapOvr>
+    <a:masterClrMapping/>
+  </p:clrMapOvr>
+</p:sld>
+</file>
+
+<file path=ppt/slides/slide7.xml><?xml version="1.0" encoding="utf-8"?>
+<p:sld xmlns:a="http://schemas.openxmlformats.org/drawingml/2006/main" xmlns:r="http://schemas.openxmlformats.org/officeDocument/2006/relationships" xmlns:p="http://schemas.openxmlformats.org/presentationml/2006/main">
+  <p:cSld>
+    <p:spTree>
+      <p:nvGrpSpPr>
+        <p:cNvPr id="1" name=""/>
+        <p:cNvGrpSpPr/>
+        <p:nvPr/>
+      </p:nvGrpSpPr>
+      <p:grpSpPr>
+        <a:xfrm>
+          <a:off x="0" y="0"/>
+          <a:ext cx="0" cy="0"/>
+          <a:chOff x="0" y="0"/>
+          <a:chExt cx="0" cy="0"/>
+        </a:xfrm>
+      </p:grpSpPr>
+      <p:pic>
+        <p:nvPicPr>
+          <p:cNvPr id="2" name="Изображение 1"/>
+          <p:cNvPicPr>
+            <a:picLocks noChangeAspect="1"/>
+          </p:cNvPicPr>
+          <p:nvPr/>
+        </p:nvPicPr>
+        <p:blipFill>
+          <a:blip r:embed="rId2">
+            <a:extLst>
+              <a:ext uri="{28A0092B-C50C-407E-A947-70E740481C1C}">
+                <a14:useLocalDpi xmlns:a14="http://schemas.microsoft.com/office/drawing/2010/main" val="0"/>
+              </a:ext>
+            </a:extLst>
+          </a:blip>
+          <a:stretch>
+            <a:fillRect/>
+          </a:stretch>
+        </p:blipFill>
+        <p:spPr>
+          <a:xfrm>
+            <a:off x="1728352" y="230224"/>
+            <a:ext cx="8901547" cy="3846346"/>
+          </a:xfrm>
+          <a:prstGeom prst="rect">
+            <a:avLst/>
+          </a:prstGeom>
+        </p:spPr>
+      </p:pic>
+      <p:pic>
+        <p:nvPicPr>
+          <p:cNvPr id="3" name="Изображение 2"/>
+          <p:cNvPicPr>
+            <a:picLocks noChangeAspect="1"/>
+          </p:cNvPicPr>
+          <p:nvPr/>
+        </p:nvPicPr>
+        <p:blipFill>
+          <a:blip r:embed="rId3">
+            <a:extLst>
+              <a:ext uri="{28A0092B-C50C-407E-A947-70E740481C1C}">
+                <a14:useLocalDpi xmlns:a14="http://schemas.microsoft.com/office/drawing/2010/main" val="0"/>
+              </a:ext>
+            </a:extLst>
+          </a:blip>
+          <a:stretch>
+            <a:fillRect/>
+          </a:stretch>
+        </p:blipFill>
+        <p:spPr>
+          <a:xfrm>
+            <a:off x="831270" y="4427653"/>
+            <a:ext cx="10695709" cy="1955723"/>
+          </a:xfrm>
+          <a:prstGeom prst="rect">
+            <a:avLst/>
+          </a:prstGeom>
+        </p:spPr>
+      </p:pic>
+    </p:spTree>
+    <p:extLst>
+      <p:ext uri="{BB962C8B-B14F-4D97-AF65-F5344CB8AC3E}">
+        <p14:creationId xmlns:p14="http://schemas.microsoft.com/office/powerpoint/2010/main" val="184883832"/>
+      </p:ext>
+    </p:extLst>
+  </p:cSld>
+  <p:clrMapOvr>
+    <a:masterClrMapping/>
+  </p:clrMapOvr>
+</p:sld>
+</file>
+
+<file path=ppt/slides/slide8.xml><?xml version="1.0" encoding="utf-8"?>
+<p:sld xmlns:a="http://schemas.openxmlformats.org/drawingml/2006/main" xmlns:r="http://schemas.openxmlformats.org/officeDocument/2006/relationships" xmlns:p="http://schemas.openxmlformats.org/presentationml/2006/main">
+  <p:cSld>
+    <p:spTree>
+      <p:nvGrpSpPr>
+        <p:cNvPr id="1" name=""/>
+        <p:cNvGrpSpPr/>
+        <p:nvPr/>
+      </p:nvGrpSpPr>
+      <p:grpSpPr>
+        <a:xfrm>
+          <a:off x="0" y="0"/>
+          <a:ext cx="0" cy="0"/>
+          <a:chOff x="0" y="0"/>
+          <a:chExt cx="0" cy="0"/>
+        </a:xfrm>
+      </p:grpSpPr>
+      <p:pic>
+        <p:nvPicPr>
+          <p:cNvPr id="2" name="Изображение 1"/>
+          <p:cNvPicPr>
+            <a:picLocks noChangeAspect="1"/>
+          </p:cNvPicPr>
+          <p:nvPr/>
+        </p:nvPicPr>
+        <p:blipFill>
+          <a:blip r:embed="rId2">
+            <a:extLst>
+              <a:ext uri="{28A0092B-C50C-407E-A947-70E740481C1C}">
+                <a14:useLocalDpi xmlns:a14="http://schemas.microsoft.com/office/drawing/2010/main" val="0"/>
+              </a:ext>
+            </a:extLst>
+          </a:blip>
+          <a:stretch>
+            <a:fillRect/>
+          </a:stretch>
+        </p:blipFill>
+        <p:spPr>
+          <a:xfrm>
+            <a:off x="4267200" y="0"/>
+            <a:ext cx="3649211" cy="6858000"/>
+          </a:xfrm>
+          <a:prstGeom prst="rect">
+            <a:avLst/>
+          </a:prstGeom>
+        </p:spPr>
+      </p:pic>
+    </p:spTree>
+    <p:extLst>
+      <p:ext uri="{BB962C8B-B14F-4D97-AF65-F5344CB8AC3E}">
+        <p14:creationId xmlns:p14="http://schemas.microsoft.com/office/powerpoint/2010/main" val="2044441607"/>
+      </p:ext>
+    </p:extLst>
+  </p:cSld>
+  <p:clrMapOvr>
+    <a:masterClrMapping/>
+  </p:clrMapOvr>
+</p:sld>
+</file>
+
+<file path=ppt/slides/slide9.xml><?xml version="1.0" encoding="utf-8"?>
 <p:sld xmlns:a="http://schemas.openxmlformats.org/drawingml/2006/main" xmlns:r="http://schemas.openxmlformats.org/officeDocument/2006/relationships" xmlns:p="http://schemas.openxmlformats.org/presentationml/2006/main">
   <p:cSld>
     <p:spTree>
@@ -8104,14 +8682,12 @@
           </a:xfrm>
         </p:spPr>
         <p:txBody>
-          <a:bodyPr>
-            <a:normAutofit fontScale="90000"/>
-          </a:bodyPr>
+          <a:bodyPr/>
           <a:lstStyle/>
           <a:p>
             <a:r>
               <a:rPr lang="ru-RU" dirty="0" smtClean="0"/>
-              <a:t>Возможности дальнейшего развития</a:t>
+              <a:t>Реализация</a:t>
             </a:r>
             <a:endParaRPr lang="ru-RU" dirty="0"/>
           </a:p>
@@ -8119,161 +8695,107 @@
       </p:sp>
       <p:sp>
         <p:nvSpPr>
-          <p:cNvPr id="6" name="TextBox 5"/>
-          <p:cNvSpPr txBox="1"/>
-          <p:nvPr/>
+          <p:cNvPr id="3" name="Объект 2"/>
+          <p:cNvSpPr>
+            <a:spLocks noGrp="1"/>
+          </p:cNvSpPr>
+          <p:nvPr>
+            <p:ph idx="1"/>
+          </p:nvPr>
         </p:nvSpPr>
         <p:spPr>
           <a:xfrm>
-            <a:off x="1243446" y="2464393"/>
-            <a:ext cx="9705108" cy="2677656"/>
+            <a:off x="1101436" y="2022765"/>
+            <a:ext cx="9989128" cy="3283526"/>
           </a:xfrm>
-          <a:prstGeom prst="rect">
-            <a:avLst/>
-          </a:prstGeom>
-          <a:noFill/>
         </p:spPr>
         <p:txBody>
-          <a:bodyPr wrap="square" rtlCol="0">
-            <a:spAutoFit/>
+          <a:bodyPr>
+            <a:normAutofit fontScale="92500" lnSpcReduction="10000"/>
           </a:bodyPr>
           <a:lstStyle/>
           <a:p>
-            <a:pPr marL="457200" indent="-457200">
-              <a:buFont typeface="Arial" charset="0"/>
-              <a:buChar char="•"/>
+            <a:pPr marL="0" indent="0">
+              <a:buNone/>
             </a:pPr>
             <a:r>
               <a:rPr lang="ru-RU" sz="2800" dirty="0" smtClean="0"/>
-              <a:t>Добавление картинок</a:t>
-            </a:r>
-          </a:p>
-          <a:p>
-            <a:pPr marL="457200" indent="-457200">
-              <a:buFont typeface="Arial" charset="0"/>
-              <a:buChar char="•"/>
+              <a:t>Удобства </a:t>
+            </a:r>
+            <a:r>
+              <a:rPr lang="en-US" sz="2800" dirty="0" smtClean="0"/>
+              <a:t>Telegram-bot API</a:t>
+            </a:r>
+            <a:r>
+              <a:rPr lang="ru-RU" sz="2800" dirty="0" smtClean="0"/>
+              <a:t> </a:t>
+            </a:r>
+            <a:r>
+              <a:rPr lang="en-US" sz="2800" dirty="0" smtClean="0"/>
+              <a:t> </a:t>
+            </a:r>
+            <a:r>
+              <a:rPr lang="ru-RU" sz="2800" dirty="0" smtClean="0"/>
+              <a:t>позволили создать систему функций, которую не сложно дополнять и расширять</a:t>
+            </a:r>
+            <a:r>
+              <a:rPr lang="en-US" sz="2800" dirty="0" smtClean="0"/>
+              <a:t>.</a:t>
+            </a:r>
+            <a:endParaRPr lang="ru-RU" sz="2800" dirty="0"/>
+          </a:p>
+          <a:p>
+            <a:pPr marL="0" indent="0">
+              <a:buNone/>
             </a:pPr>
             <a:r>
               <a:rPr lang="ru-RU" sz="2800" dirty="0" smtClean="0"/>
-              <a:t>Произношение слов </a:t>
-            </a:r>
-          </a:p>
-          <a:p>
-            <a:pPr marL="457200" indent="-457200">
-              <a:buFont typeface="Arial" charset="0"/>
-              <a:buChar char="•"/>
+              <a:t>Благодаря системе кнопок, пользователь может перемещаться между разделами, не пользуясь командами. </a:t>
+            </a:r>
+          </a:p>
+          <a:p>
+            <a:pPr marL="0" indent="0">
+              <a:buNone/>
             </a:pPr>
             <a:r>
               <a:rPr lang="ru-RU" sz="2800" dirty="0" smtClean="0"/>
-              <a:t>Новые режимы тренировок</a:t>
-            </a:r>
-          </a:p>
-          <a:p>
-            <a:pPr marL="457200" indent="-457200">
-              <a:buFont typeface="Arial" charset="0"/>
-              <a:buChar char="•"/>
-            </a:pPr>
+              <a:t>Все сохраненные пользователем модули хранятся в базе данных, написанной с помощью </a:t>
+            </a:r>
+            <a:r>
+              <a:rPr lang="en-US" sz="2800" dirty="0" err="1" smtClean="0"/>
+              <a:t>SQLAlchemy</a:t>
+            </a:r>
+            <a:r>
+              <a:rPr lang="en-US" sz="2800" dirty="0" smtClean="0"/>
+              <a:t>.</a:t>
+            </a:r>
             <a:r>
               <a:rPr lang="ru-RU" sz="2800" dirty="0" smtClean="0"/>
-              <a:t>Возможность делиться модулями</a:t>
-            </a:r>
-          </a:p>
-          <a:p>
-            <a:pPr marL="457200" indent="-457200">
-              <a:buFont typeface="Arial" charset="0"/>
-              <a:buChar char="•"/>
-            </a:pPr>
+              <a:t> Каждый модуль имеет свой индивидуальный </a:t>
+            </a:r>
+            <a:r>
+              <a:rPr lang="en-US" sz="2800" dirty="0" smtClean="0"/>
+              <a:t>id</a:t>
+            </a:r>
             <a:r>
               <a:rPr lang="ru-RU" sz="2800" dirty="0" smtClean="0"/>
-              <a:t>Поиск по чужим модулям</a:t>
-            </a:r>
-          </a:p>
-          <a:p>
-            <a:pPr marL="457200" indent="-457200">
-              <a:buFont typeface="Arial" charset="0"/>
-              <a:buChar char="•"/>
-            </a:pPr>
+              <a:t> а так же привязан к  </a:t>
+            </a:r>
+            <a:r>
+              <a:rPr lang="en-US" sz="2800" dirty="0" smtClean="0"/>
+              <a:t>id </a:t>
+            </a:r>
             <a:r>
               <a:rPr lang="ru-RU" sz="2800" dirty="0" smtClean="0"/>
-              <a:t>График тренировок и напоминания</a:t>
-            </a:r>
-            <a:endParaRPr lang="ru-RU" sz="2800" dirty="0"/>
+              <a:t>пользователя, который его создал.</a:t>
+            </a:r>
           </a:p>
         </p:txBody>
       </p:sp>
     </p:spTree>
     <p:extLst>
       <p:ext uri="{BB962C8B-B14F-4D97-AF65-F5344CB8AC3E}">
-        <p14:creationId xmlns:p14="http://schemas.microsoft.com/office/powerpoint/2010/main" val="678540688"/>
-      </p:ext>
-    </p:extLst>
-  </p:cSld>
-  <p:clrMapOvr>
-    <a:masterClrMapping/>
-  </p:clrMapOvr>
-  <p:timing>
-    <p:tnLst>
-      <p:par>
-        <p:cTn id="1" dur="indefinite" restart="never" nodeType="tmRoot"/>
-      </p:par>
-    </p:tnLst>
-  </p:timing>
-</p:sld>
-</file>
-
-<file path=ppt/slides/slide6.xml><?xml version="1.0" encoding="utf-8"?>
-<p:sld xmlns:a="http://schemas.openxmlformats.org/drawingml/2006/main" xmlns:r="http://schemas.openxmlformats.org/officeDocument/2006/relationships" xmlns:p="http://schemas.openxmlformats.org/presentationml/2006/main">
-  <p:cSld>
-    <p:spTree>
-      <p:nvGrpSpPr>
-        <p:cNvPr id="1" name=""/>
-        <p:cNvGrpSpPr/>
-        <p:nvPr/>
-      </p:nvGrpSpPr>
-      <p:grpSpPr>
-        <a:xfrm>
-          <a:off x="0" y="0"/>
-          <a:ext cx="0" cy="0"/>
-          <a:chOff x="0" y="0"/>
-          <a:chExt cx="0" cy="0"/>
-        </a:xfrm>
-      </p:grpSpPr>
-      <p:sp>
-        <p:nvSpPr>
-          <p:cNvPr id="2" name="Заголовок 1"/>
-          <p:cNvSpPr>
-            <a:spLocks noGrp="1"/>
-          </p:cNvSpPr>
-          <p:nvPr>
-            <p:ph type="title"/>
-          </p:nvPr>
-        </p:nvSpPr>
-        <p:spPr>
-          <a:xfrm>
-            <a:off x="2231136" y="2638044"/>
-            <a:ext cx="7729728" cy="1188720"/>
-          </a:xfrm>
-        </p:spPr>
-        <p:txBody>
-          <a:bodyPr/>
-          <a:lstStyle/>
-          <a:p>
-            <a:r>
-              <a:rPr lang="ru-RU" dirty="0" smtClean="0"/>
-              <a:t>Спасибо за </a:t>
-            </a:r>
-            <a:r>
-              <a:rPr lang="ru-RU" smtClean="0"/>
-              <a:t>внимание!</a:t>
-            </a:r>
-            <a:endParaRPr lang="ru-RU" dirty="0"/>
-          </a:p>
-        </p:txBody>
-      </p:sp>
-    </p:spTree>
-    <p:extLst>
-      <p:ext uri="{BB962C8B-B14F-4D97-AF65-F5344CB8AC3E}">
-        <p14:creationId xmlns:p14="http://schemas.microsoft.com/office/powerpoint/2010/main" val="1748109766"/>
+        <p14:creationId xmlns:p14="http://schemas.microsoft.com/office/powerpoint/2010/main" val="1247766570"/>
       </p:ext>
     </p:extLst>
   </p:cSld>
